--- a/Data Visualization Report.pptx
+++ b/Data Visualization Report.pptx
@@ -1088,7 +1088,7 @@
           <a:p>
             <a:fld id="{1D8BD707-D9CF-40AE-B4C6-C98DA3205C09}" type="datetimeFigureOut">
               <a:rPr lang="en-US"/>
-              <a:t>12/17/2025</a:t>
+              <a:t>12/26/2025</a:t>
             </a:fld>
             <a:endParaRPr lang="en-US"/>
           </a:p>
@@ -1323,7 +1323,7 @@
           <a:p>
             <a:fld id="{1D8BD707-D9CF-40AE-B4C6-C98DA3205C09}" type="datetimeFigureOut">
               <a:rPr lang="en-US"/>
-              <a:t>12/17/2025</a:t>
+              <a:t>12/26/2025</a:t>
             </a:fld>
             <a:endParaRPr lang="en-US"/>
           </a:p>
@@ -1537,7 +1537,7 @@
           <a:p>
             <a:fld id="{1D8BD707-D9CF-40AE-B4C6-C98DA3205C09}" type="datetimeFigureOut">
               <a:rPr lang="en-US"/>
-              <a:t>12/17/2025</a:t>
+              <a:t>12/26/2025</a:t>
             </a:fld>
             <a:endParaRPr lang="en-US"/>
           </a:p>
@@ -1685,7 +1685,7 @@
           <a:p>
             <a:fld id="{1D8BD707-D9CF-40AE-B4C6-C98DA3205C09}" type="datetimeFigureOut">
               <a:rPr lang="en-US"/>
-              <a:t>12/17/2025</a:t>
+              <a:t>12/26/2025</a:t>
             </a:fld>
             <a:endParaRPr lang="en-US"/>
           </a:p>
@@ -1804,7 +1804,7 @@
           <a:p>
             <a:fld id="{1D8BD707-D9CF-40AE-B4C6-C98DA3205C09}" type="datetimeFigureOut">
               <a:rPr lang="en-US"/>
-              <a:t>12/17/2025</a:t>
+              <a:t>12/26/2025</a:t>
             </a:fld>
             <a:endParaRPr lang="en-US"/>
           </a:p>
@@ -2029,7 +2029,7 @@
           <a:p>
             <a:fld id="{1D8BD707-D9CF-40AE-B4C6-C98DA3205C09}" type="datetimeFigureOut">
               <a:rPr lang="en-US"/>
-              <a:t>12/17/2025</a:t>
+              <a:t>12/26/2025</a:t>
             </a:fld>
             <a:endParaRPr lang="en-US"/>
           </a:p>
@@ -6361,8 +6361,8 @@
         </p:nvSpPr>
         <p:spPr>
           <a:xfrm>
-            <a:off x="895253" y="430150"/>
-            <a:ext cx="2768600" cy="515620"/>
+            <a:off x="895252" y="430150"/>
+            <a:ext cx="3143347" cy="720710"/>
           </a:xfrm>
           <a:prstGeom prst="rect">
             <a:avLst/>
@@ -6438,7 +6438,22 @@
                   <a:srgbClr val="D66B55"/>
                 </a:solidFill>
               </a:rPr>
-              <a:t>Abdul Sami</a:t>
+              <a:t>Abdul Sami </a:t>
+            </a:r>
+            <a:br>
+              <a:rPr lang="en-US" sz="1400" spc="-50" dirty="0">
+                <a:solidFill>
+                  <a:srgbClr val="D66B55"/>
+                </a:solidFill>
+              </a:rPr>
+            </a:br>
+            <a:r>
+              <a:rPr lang="en-US" sz="1400" spc="-50" dirty="0">
+                <a:solidFill>
+                  <a:srgbClr val="D66B55"/>
+                </a:solidFill>
+              </a:rPr>
+              <a:t>Matricola:939542</a:t>
             </a:r>
             <a:endParaRPr sz="1400" dirty="0"/>
           </a:p>
@@ -6709,8 +6724,8 @@
         </p:blipFill>
         <p:spPr>
           <a:xfrm>
-            <a:off x="25435" y="939291"/>
-            <a:ext cx="4470340" cy="2394460"/>
+            <a:off x="25435" y="1150861"/>
+            <a:ext cx="4470340" cy="2182890"/>
           </a:xfrm>
           <a:prstGeom prst="rect">
             <a:avLst/>
@@ -10803,15 +10818,6 @@
 </file>
 
 <file path=customXml/item2.xml><?xml version="1.0" encoding="utf-8"?>
-<?mso-contentType ?>
-<FormTemplates xmlns="http://schemas.microsoft.com/sharepoint/v3/contenttype/forms">
-  <Display>DocumentLibraryForm</Display>
-  <Edit>DocumentLibraryForm</Edit>
-  <New>DocumentLibraryForm</New>
-</FormTemplates>
-</file>
-
-<file path=customXml/item3.xml><?xml version="1.0" encoding="utf-8"?>
 <ct:contentTypeSchema xmlns:ct="http://schemas.microsoft.com/office/2006/metadata/contentType" xmlns:ma="http://schemas.microsoft.com/office/2006/metadata/properties/metaAttributes" ct:_="" ma:_="" ma:contentTypeName="Documento" ma:contentTypeID="0x010100DE9793C88054B74BB9CB2A8F477213FB" ma:contentTypeVersion="4" ma:contentTypeDescription="Creare un nuovo documento." ma:contentTypeScope="" ma:versionID="e3cd88dee73fc47af6262ff19dd9f095">
   <xsd:schema xmlns:xsd="http://www.w3.org/2001/XMLSchema" xmlns:xs="http://www.w3.org/2001/XMLSchema" xmlns:p="http://schemas.microsoft.com/office/2006/metadata/properties" xmlns:ns3="afc3bcc7-567a-420e-9ee1-b15eb7f84358" targetNamespace="http://schemas.microsoft.com/office/2006/metadata/properties" ma:root="true" ma:fieldsID="85f1f2d45e465211550f75cbd5586ac7" ns3:_="">
     <xsd:import namespace="afc3bcc7-567a-420e-9ee1-b15eb7f84358"/>
@@ -10955,6 +10961,15 @@
 </ct:contentTypeSchema>
 </file>
 
+<file path=customXml/item3.xml><?xml version="1.0" encoding="utf-8"?>
+<?mso-contentType ?>
+<FormTemplates xmlns="http://schemas.microsoft.com/sharepoint/v3/contenttype/forms">
+  <Display>DocumentLibraryForm</Display>
+  <Edit>DocumentLibraryForm</Edit>
+  <New>DocumentLibraryForm</New>
+</FormTemplates>
+</file>
+
 <file path=customXml/itemProps1.xml><?xml version="1.0" encoding="utf-8"?>
 <ds:datastoreItem xmlns:ds="http://schemas.openxmlformats.org/officeDocument/2006/customXml" ds:itemID="{E32DAFCC-09B7-4176-83DC-CEF59BD05CBE}">
   <ds:schemaRefs>
@@ -10972,14 +10987,6 @@
 </file>
 
 <file path=customXml/itemProps2.xml><?xml version="1.0" encoding="utf-8"?>
-<ds:datastoreItem xmlns:ds="http://schemas.openxmlformats.org/officeDocument/2006/customXml" ds:itemID="{4657E68A-57F5-4B7E-B48B-DD006C97B511}">
-  <ds:schemaRefs>
-    <ds:schemaRef ds:uri="http://schemas.microsoft.com/sharepoint/v3/contenttype/forms"/>
-  </ds:schemaRefs>
-</ds:datastoreItem>
-</file>
-
-<file path=customXml/itemProps3.xml><?xml version="1.0" encoding="utf-8"?>
 <ds:datastoreItem xmlns:ds="http://schemas.openxmlformats.org/officeDocument/2006/customXml" ds:itemID="{E7B7D71A-410E-4115-9863-627C19F957E1}">
   <ds:schemaRefs>
     <ds:schemaRef ds:uri="http://schemas.microsoft.com/office/2006/metadata/contentType"/>
@@ -10995,4 +11002,12 @@
     <ds:schemaRef ds:uri="http://schemas.microsoft.com/internal/obd"/>
   </ds:schemaRefs>
 </ds:datastoreItem>
+</file>
+
+<file path=customXml/itemProps3.xml><?xml version="1.0" encoding="utf-8"?>
+<ds:datastoreItem xmlns:ds="http://schemas.openxmlformats.org/officeDocument/2006/customXml" ds:itemID="{4657E68A-57F5-4B7E-B48B-DD006C97B511}">
+  <ds:schemaRefs>
+    <ds:schemaRef ds:uri="http://schemas.microsoft.com/sharepoint/v3/contenttype/forms"/>
+  </ds:schemaRefs>
+</ds:datastoreItem>
 </file>